--- a/lab1/week1/lab1.pptx
+++ b/lab1/week1/lab1.pptx
@@ -153,25 +153,6 @@
           </p14:sldIdLst>
         </p14:section>
       </p14:sectionLst>
-    </p:ext>
-    <p:ext uri="{EFAFB233-063F-42B5-8137-9DF3F51BA10A}">
-      <p15:sldGuideLst xmlns:p15="http://schemas.microsoft.com/office/powerpoint/2012/main">
-        <p15:guide id="1" orient="horz" pos="2160" userDrawn="1">
-          <p15:clr>
-            <a:srgbClr val="A4A3A4"/>
-          </p15:clr>
-        </p15:guide>
-        <p15:guide id="2" pos="3826" userDrawn="1">
-          <p15:clr>
-            <a:srgbClr val="A4A3A4"/>
-          </p15:clr>
-        </p15:guide>
-        <p15:guide id="3" pos="3826" userDrawn="1">
-          <p15:clr>
-            <a:srgbClr val="A4A3A4"/>
-          </p15:clr>
-        </p15:guide>
-      </p15:sldGuideLst>
     </p:ext>
   </p:extLst>
 </p:presentation>
@@ -6859,7 +6840,12 @@
             <p:ph sz="quarter" idx="13"/>
           </p:nvPr>
         </p:nvSpPr>
-        <p:spPr/>
+        <p:spPr>
+          <a:xfrm>
+            <a:off x="612591" y="1217241"/>
+            <a:ext cx="11019631" cy="4484450"/>
+          </a:xfrm>
+        </p:spPr>
         <p:txBody>
           <a:bodyPr/>
           <a:p>
@@ -6890,7 +6876,19 @@
             </a:r>
             <a:r>
               <a:rPr lang="zh-CN" altLang="en-US"/>
-              <a:t>环境，能够跑通测试文件</a:t>
+              <a:t>环境，能够解析</a:t>
+            </a:r>
+            <a:r>
+              <a:rPr lang="en-US" altLang="zh-CN"/>
+              <a:t>java</a:t>
+            </a:r>
+            <a:r>
+              <a:rPr lang="zh-CN" altLang="en-US"/>
+              <a:t>测试文件，生成</a:t>
+            </a:r>
+            <a:r>
+              <a:rPr lang="zh-CN" altLang="en-US"/>
+              <a:t>语法树</a:t>
             </a:r>
             <a:endParaRPr lang="zh-CN" altLang="en-US"/>
           </a:p>
@@ -6922,7 +6920,15 @@
             </a:pPr>
             <a:r>
               <a:rPr lang="zh-CN" altLang="en-US"/>
-              <a:t>了解该语法树的基本构造</a:t>
+              <a:t>对照</a:t>
+            </a:r>
+            <a:r>
+              <a:rPr lang="zh-CN" altLang="en-US"/>
+              <a:t>源代码，了解</a:t>
+            </a:r>
+            <a:r>
+              <a:rPr lang="zh-CN" altLang="en-US"/>
+              <a:t>生成的语法树的基本构造</a:t>
             </a:r>
             <a:endParaRPr lang="zh-CN" altLang="en-US"/>
           </a:p>
@@ -6968,6 +6974,67 @@
               <a:rPr lang="zh-CN" altLang="en-US" smtClean="0"/>
             </a:fld>
             <a:endParaRPr lang="zh-CN" altLang="en-US"/>
+          </a:p>
+        </p:txBody>
+      </p:sp>
+      <p:sp>
+        <p:nvSpPr>
+          <p:cNvPr id="18" name="文本框 17"/>
+          <p:cNvSpPr txBox="1"/>
+          <p:nvPr/>
+        </p:nvSpPr>
+        <p:spPr>
+          <a:xfrm>
+            <a:off x="665480" y="4524375"/>
+            <a:ext cx="10612120" cy="452755"/>
+          </a:xfrm>
+          <a:prstGeom prst="rect">
+            <a:avLst/>
+          </a:prstGeom>
+          <a:noFill/>
+        </p:spPr>
+        <p:txBody>
+          <a:bodyPr wrap="square">
+            <a:noAutofit/>
+          </a:bodyPr>
+          <a:p>
+            <a:pPr>
+              <a:lnSpc>
+                <a:spcPct val="100000"/>
+              </a:lnSpc>
+            </a:pPr>
+            <a:endParaRPr lang="zh-CN" altLang="en-US" dirty="0"/>
+          </a:p>
+          <a:p>
+            <a:pPr marL="285750" indent="-285750">
+              <a:buFont typeface="Wingdings" panose="05000000000000000000" charset="0"/>
+              <a:buChar char=""/>
+            </a:pPr>
+            <a:r>
+              <a:rPr lang="zh-CN" altLang="en-US" sz="2400">
+                <a:latin typeface="Optima"/>
+              </a:rPr>
+              <a:t>实验仓库：</a:t>
+            </a:r>
+            <a:r>
+              <a:rPr lang="en-US" altLang="zh-CN" dirty="0"/>
+              <a:t> </a:t>
+            </a:r>
+            <a:r>
+              <a:rPr lang="en-US" altLang="zh-CN" i="1" u="sng" dirty="0">
+                <a:solidFill>
+                  <a:schemeClr val="accent1"/>
+                </a:solidFill>
+                <a:sym typeface="+mn-ea"/>
+              </a:rPr>
+              <a:t>https://gitee.com/fdu-ssr/compiler2025spring</a:t>
+            </a:r>
+            <a:endParaRPr lang="en-US" altLang="zh-CN" i="1" u="sng" dirty="0">
+              <a:solidFill>
+                <a:schemeClr val="accent1"/>
+              </a:solidFill>
+              <a:sym typeface="+mn-ea"/>
+            </a:endParaRPr>
           </a:p>
         </p:txBody>
       </p:sp>
@@ -8575,7 +8642,7 @@
         </p:nvSpPr>
         <p:spPr>
           <a:xfrm>
-            <a:off x="933450" y="1268095"/>
+            <a:off x="933450" y="1263650"/>
             <a:ext cx="10612120" cy="452755"/>
           </a:xfrm>
           <a:prstGeom prst="rect">
